--- a/Documentation/Capstone Documents/Meetings/capstone_meeting_6-3-15.pptx
+++ b/Documentation/Capstone Documents/Meetings/capstone_meeting_6-3-15.pptx
@@ -5313,27 +5313,7 @@
                 <a:latin typeface="Arial"/>
                 <a:ea typeface="MS PGothic"/>
               </a:rPr>
-              <a:t>06/3</a:t>
-            </a:r>
-            <a:r>
-              <a:rPr lang="en-US" i="1" dirty="0" smtClean="0">
-                <a:solidFill>
-                  <a:srgbClr val="FF6600"/>
-                </a:solidFill>
-                <a:latin typeface="Arial"/>
-                <a:ea typeface="MS PGothic"/>
-              </a:rPr>
-              <a:t>/</a:t>
-            </a:r>
-            <a:r>
-              <a:rPr lang="en-US" i="1" dirty="0" smtClean="0">
-                <a:solidFill>
-                  <a:srgbClr val="FF6600"/>
-                </a:solidFill>
-                <a:latin typeface="Arial"/>
-                <a:ea typeface="MS PGothic"/>
-              </a:rPr>
-              <a:t>2015 </a:t>
+              <a:t>06/3/2015 </a:t>
             </a:r>
             <a:endParaRPr dirty="0"/>
           </a:p>
@@ -5654,41 +5634,32 @@
       </p:sp>
       <p:pic>
         <p:nvPicPr>
-          <p:cNvPr id="3074" name="Picture 2" descr="C:\Users\Rishal\Desktop\FullSizeRender.jpg"/>
+          <p:cNvPr id="5" name="Picture 4" descr="demoUnit.JPG"/>
           <p:cNvPicPr>
-            <a:picLocks noChangeAspect="1" noChangeArrowheads="1"/>
+            <a:picLocks noChangeAspect="1"/>
           </p:cNvPicPr>
           <p:nvPr/>
         </p:nvPicPr>
-        <p:blipFill rotWithShape="1">
-          <a:blip r:embed="rId2" cstate="email">
+        <p:blipFill>
+          <a:blip r:embed="rId2">
             <a:extLst>
               <a:ext uri="{28A0092B-C50C-407E-A947-70E740481C1C}">
                 <a14:useLocalDpi xmlns:a14="http://schemas.microsoft.com/office/drawing/2010/main" val="0"/>
               </a:ext>
             </a:extLst>
           </a:blip>
-          <a:srcRect l="17554" r="16893"/>
-          <a:stretch/>
+          <a:stretch>
+            <a:fillRect/>
+          </a:stretch>
         </p:blipFill>
-        <p:spPr bwMode="auto">
-          <a:xfrm>
-            <a:off x="7543800" y="2117006"/>
-            <a:ext cx="3025083" cy="2598459"/>
-          </a:xfrm>
-          <a:prstGeom prst="rect">
-            <a:avLst/>
-          </a:prstGeom>
-          <a:noFill/>
-          <a:extLst>
-            <a:ext uri="{909E8E84-426E-40dd-AFC4-6F175D3DCCD1}">
-              <a14:hiddenFill xmlns:a14="http://schemas.microsoft.com/office/drawing/2010/main">
-                <a:solidFill>
-                  <a:srgbClr val="FFFFFF"/>
-                </a:solidFill>
-              </a14:hiddenFill>
-            </a:ext>
-          </a:extLst>
+        <p:spPr>
+          <a:xfrm>
+            <a:off x="6885000" y="1663402"/>
+            <a:ext cx="4931589" cy="3284438"/>
+          </a:xfrm>
+          <a:prstGeom prst="rect">
+            <a:avLst/>
+          </a:prstGeom>
         </p:spPr>
       </p:pic>
     </p:spTree>
@@ -5814,11 +5785,7 @@
             </a:pPr>
             <a:r>
               <a:rPr lang="en-US" sz="2000" dirty="0" smtClean="0"/>
-              <a:t>Final </a:t>
-            </a:r>
-            <a:r>
-              <a:rPr lang="en-US" sz="2000" dirty="0" smtClean="0"/>
-              <a:t>Code</a:t>
+              <a:t>Final Code</a:t>
             </a:r>
             <a:endParaRPr lang="en-US" dirty="0"/>
           </a:p>
@@ -5859,7 +5826,6 @@
               <a:rPr lang="en-US" sz="2000" dirty="0" smtClean="0"/>
               <a:t>Enclosure completed</a:t>
             </a:r>
-            <a:endParaRPr lang="en-US" sz="2000" dirty="0" smtClean="0"/>
           </a:p>
           <a:p>
             <a:pPr marL="800100" lvl="1" indent="-342900">
@@ -5927,7 +5893,6 @@
               <a:rPr lang="en-US" sz="2000" dirty="0" smtClean="0"/>
               <a:t>Onboard programmer functioning</a:t>
             </a:r>
-            <a:endParaRPr lang="en-US" sz="2000" dirty="0" smtClean="0"/>
           </a:p>
           <a:p>
             <a:pPr marL="1257300" lvl="2" indent="-342900">
@@ -5938,6 +5903,36 @@
           </a:p>
         </p:txBody>
       </p:sp>
+      <p:pic>
+        <p:nvPicPr>
+          <p:cNvPr id="2" name="Picture 1" descr="newEnclosure.JPG"/>
+          <p:cNvPicPr>
+            <a:picLocks noChangeAspect="1"/>
+          </p:cNvPicPr>
+          <p:nvPr/>
+        </p:nvPicPr>
+        <p:blipFill>
+          <a:blip r:embed="rId2">
+            <a:extLst>
+              <a:ext uri="{28A0092B-C50C-407E-A947-70E740481C1C}">
+                <a14:useLocalDpi xmlns:a14="http://schemas.microsoft.com/office/drawing/2010/main" val="0"/>
+              </a:ext>
+            </a:extLst>
+          </a:blip>
+          <a:stretch>
+            <a:fillRect/>
+          </a:stretch>
+        </p:blipFill>
+        <p:spPr>
+          <a:xfrm>
+            <a:off x="6986598" y="1081107"/>
+            <a:ext cx="4493784" cy="2992860"/>
+          </a:xfrm>
+          <a:prstGeom prst="rect">
+            <a:avLst/>
+          </a:prstGeom>
+        </p:spPr>
+      </p:pic>
     </p:spTree>
   </p:cSld>
   <p:clrMapOvr>
@@ -6458,13 +6453,6 @@
               </a:rPr>
               <a:t>Capstone poster session on Friday, June 5th</a:t>
             </a:r>
-            <a:endParaRPr lang="en-US" dirty="0" smtClean="0">
-              <a:solidFill>
-                <a:srgbClr val="000000"/>
-              </a:solidFill>
-              <a:latin typeface="Arial"/>
-              <a:ea typeface="MS PGothic"/>
-            </a:endParaRPr>
           </a:p>
           <a:p>
             <a:pPr lvl="1" algn="dist">

--- a/Documentation/Capstone Documents/Meetings/capstone_meeting_6-3-15.pptx
+++ b/Documentation/Capstone Documents/Meetings/capstone_meeting_6-3-15.pptx
@@ -5492,17 +5492,18 @@
                 <a:latin typeface="Arial"/>
                 <a:ea typeface="DejaVu Sans"/>
               </a:rPr>
-              <a:t>New Arduino Due programming correctly</a:t>
-            </a:r>
-          </a:p>
-          <a:p>
-            <a:pPr marL="342900" indent="-342900">
-              <a:lnSpc>
-                <a:spcPct val="100000"/>
-              </a:lnSpc>
-              <a:buFont typeface="Arial"/>
-              <a:buChar char="•"/>
-            </a:pPr>
+              <a:t>New Arduino Due programming </a:t>
+            </a:r>
+            <a:r>
+              <a:rPr lang="en-US" sz="2000" dirty="0" smtClean="0">
+                <a:solidFill>
+                  <a:srgbClr val="000000"/>
+                </a:solidFill>
+                <a:latin typeface="Arial"/>
+                <a:ea typeface="DejaVu Sans"/>
+              </a:rPr>
+              <a:t>correctly (problem with buffer)</a:t>
+            </a:r>
             <a:endParaRPr lang="en-US" sz="2000" dirty="0" smtClean="0">
               <a:solidFill>
                 <a:srgbClr val="000000"/>
@@ -5519,16 +5520,22 @@
               <a:buFont typeface="Arial"/>
               <a:buChar char="•"/>
             </a:pPr>
-            <a:r>
-              <a:rPr lang="en-US" sz="2000" dirty="0" err="1" smtClean="0">
-                <a:solidFill>
-                  <a:srgbClr val="000000"/>
-                </a:solidFill>
-                <a:latin typeface="Arial"/>
-                <a:ea typeface="DejaVu Sans"/>
-              </a:rPr>
-              <a:t>Laggy</a:t>
-            </a:r>
+            <a:endParaRPr lang="en-US" sz="2000" dirty="0" smtClean="0">
+              <a:solidFill>
+                <a:srgbClr val="000000"/>
+              </a:solidFill>
+              <a:latin typeface="Arial"/>
+              <a:ea typeface="DejaVu Sans"/>
+            </a:endParaRPr>
+          </a:p>
+          <a:p>
+            <a:pPr marL="342900" indent="-342900">
+              <a:lnSpc>
+                <a:spcPct val="100000"/>
+              </a:lnSpc>
+              <a:buFont typeface="Arial"/>
+              <a:buChar char="•"/>
+            </a:pPr>
             <a:r>
               <a:rPr lang="en-US" sz="2000" dirty="0" smtClean="0">
                 <a:solidFill>
@@ -5537,8 +5544,15 @@
                 <a:latin typeface="Arial"/>
                 <a:ea typeface="DejaVu Sans"/>
               </a:rPr>
-              <a:t> update time screen, probably custom board related (we will solve this Tuesday night by creating a new custom board)</a:t>
-            </a:r>
+              <a:t>Screen update lag fixed, ATMEGA16u2 interfering with serial, tri-state buffer fixed this</a:t>
+            </a:r>
+            <a:endParaRPr lang="en-US" sz="2000" dirty="0" smtClean="0">
+              <a:solidFill>
+                <a:srgbClr val="000000"/>
+              </a:solidFill>
+              <a:latin typeface="Arial"/>
+              <a:ea typeface="DejaVu Sans"/>
+            </a:endParaRPr>
           </a:p>
           <a:p>
             <a:pPr marL="342900" indent="-342900">
@@ -5575,16 +5589,6 @@
               <a:t>Demo code on vehicles </a:t>
             </a:r>
             <a:r>
-              <a:rPr lang="en-US" sz="2000" dirty="0" err="1" smtClean="0">
-                <a:solidFill>
-                  <a:srgbClr val="000000"/>
-                </a:solidFill>
-                <a:latin typeface="Arial"/>
-                <a:ea typeface="DejaVu Sans"/>
-              </a:rPr>
-              <a:t>eVCU</a:t>
-            </a:r>
-            <a:r>
               <a:rPr lang="en-US" sz="2000" dirty="0" smtClean="0">
                 <a:solidFill>
                   <a:srgbClr val="000000"/>
@@ -5592,7 +5596,27 @@
                 <a:latin typeface="Arial"/>
                 <a:ea typeface="DejaVu Sans"/>
               </a:rPr>
-              <a:t> is working</a:t>
+              <a:t>GE</a:t>
+            </a:r>
+            <a:r>
+              <a:rPr lang="en-US" sz="2000" dirty="0" smtClean="0">
+                <a:solidFill>
+                  <a:srgbClr val="000000"/>
+                </a:solidFill>
+                <a:latin typeface="Arial"/>
+                <a:ea typeface="DejaVu Sans"/>
+              </a:rPr>
+              <a:t>VCU </a:t>
+            </a:r>
+            <a:r>
+              <a:rPr lang="en-US" sz="2000" dirty="0" smtClean="0">
+                <a:solidFill>
+                  <a:srgbClr val="000000"/>
+                </a:solidFill>
+                <a:latin typeface="Arial"/>
+                <a:ea typeface="DejaVu Sans"/>
+              </a:rPr>
+              <a:t>is working</a:t>
             </a:r>
           </a:p>
           <a:p>
@@ -5627,8 +5651,60 @@
                 <a:latin typeface="Arial"/>
                 <a:ea typeface="DejaVu Sans"/>
               </a:rPr>
-              <a:t>Still need to troubleshoot polling code, should solve system freeze up</a:t>
-            </a:r>
+              <a:t>Troubleshot polling code, not going to work due to </a:t>
+            </a:r>
+            <a:r>
+              <a:rPr lang="en-US" sz="2000" dirty="0" smtClean="0">
+                <a:solidFill>
+                  <a:srgbClr val="000000"/>
+                </a:solidFill>
+                <a:latin typeface="Arial"/>
+                <a:ea typeface="DejaVu Sans"/>
+              </a:rPr>
+              <a:t>hardware limitation</a:t>
+            </a:r>
+          </a:p>
+          <a:p>
+            <a:pPr marL="342900" indent="-342900">
+              <a:lnSpc>
+                <a:spcPct val="100000"/>
+              </a:lnSpc>
+              <a:buFont typeface="Arial"/>
+              <a:buChar char="•"/>
+            </a:pPr>
+            <a:endParaRPr lang="en-US" sz="2000" dirty="0">
+              <a:solidFill>
+                <a:srgbClr val="000000"/>
+              </a:solidFill>
+              <a:latin typeface="Arial"/>
+              <a:ea typeface="DejaVu Sans"/>
+            </a:endParaRPr>
+          </a:p>
+          <a:p>
+            <a:pPr marL="342900" indent="-342900">
+              <a:lnSpc>
+                <a:spcPct val="100000"/>
+              </a:lnSpc>
+              <a:buFont typeface="Arial"/>
+              <a:buChar char="•"/>
+            </a:pPr>
+            <a:r>
+              <a:rPr lang="en-US" sz="2000" dirty="0" smtClean="0">
+                <a:solidFill>
+                  <a:srgbClr val="000000"/>
+                </a:solidFill>
+                <a:latin typeface="Arial"/>
+                <a:ea typeface="DejaVu Sans"/>
+              </a:rPr>
+              <a:t>Wiring harness complete so we do not have to take apart dash unit, plugs into demo or car</a:t>
+            </a:r>
+            <a:endParaRPr lang="en-US" sz="2000" dirty="0" smtClean="0">
+              <a:solidFill>
+                <a:srgbClr val="000000"/>
+              </a:solidFill>
+              <a:latin typeface="Arial"/>
+              <a:ea typeface="DejaVu Sans"/>
+            </a:endParaRPr>
           </a:p>
         </p:txBody>
       </p:sp>
@@ -5796,25 +5872,25 @@
             </a:pPr>
             <a:r>
               <a:rPr lang="en-US" sz="2000" dirty="0" smtClean="0"/>
-              <a:t>Screen has been locking/freezing up</a:t>
-            </a:r>
+              <a:t>Freeze up stopped, fixed by tri-state buffer</a:t>
+            </a:r>
+          </a:p>
+          <a:p>
+            <a:pPr marL="800100" lvl="1" indent="-342900">
+              <a:buFont typeface="Arial"/>
+              <a:buChar char="•"/>
+            </a:pPr>
+            <a:r>
+              <a:rPr lang="en-US" sz="2000" dirty="0" smtClean="0"/>
+              <a:t>Polling based will not work</a:t>
+            </a:r>
+            <a:endParaRPr lang="en-US" sz="2000" dirty="0"/>
           </a:p>
           <a:p>
             <a:pPr marL="1257300" lvl="2" indent="-342900">
               <a:buFont typeface="Arial"/>
               <a:buChar char="•"/>
             </a:pPr>
-            <a:r>
-              <a:rPr lang="en-US" sz="2000" dirty="0" smtClean="0"/>
-              <a:t>Need to test out polling code once new custom board is populated</a:t>
-            </a:r>
-            <a:endParaRPr lang="en-US" sz="2000" dirty="0"/>
-          </a:p>
-          <a:p>
-            <a:pPr marL="1257300" lvl="2" indent="-342900">
-              <a:buFont typeface="Arial"/>
-              <a:buChar char="•"/>
-            </a:pPr>
             <a:endParaRPr lang="en-US" sz="2000" dirty="0" smtClean="0"/>
           </a:p>
           <a:p>
@@ -5834,7 +5910,15 @@
             </a:pPr>
             <a:r>
               <a:rPr lang="en-US" sz="2000" dirty="0" smtClean="0"/>
-              <a:t>Cut out of ¼” acrylic</a:t>
+              <a:t>Cut out of </a:t>
+            </a:r>
+            <a:r>
+              <a:rPr lang="en-US" sz="2000" dirty="0" smtClean="0"/>
+              <a:t>1/8” </a:t>
+            </a:r>
+            <a:r>
+              <a:rPr lang="en-US" sz="2000" dirty="0" smtClean="0"/>
+              <a:t>acrylic</a:t>
             </a:r>
           </a:p>
           <a:p>
@@ -5881,8 +5965,9 @@
             </a:pPr>
             <a:r>
               <a:rPr lang="en-US" sz="2000" dirty="0" smtClean="0"/>
-              <a:t>Populating new board that will be cleaner than previous board </a:t>
-            </a:r>
+              <a:t>Populated new board</a:t>
+            </a:r>
+            <a:endParaRPr lang="en-US" sz="2000" dirty="0" smtClean="0"/>
           </a:p>
           <a:p>
             <a:pPr marL="800100" lvl="1" indent="-342900">
@@ -5891,8 +5976,27 @@
             </a:pPr>
             <a:r>
               <a:rPr lang="en-US" sz="2000" dirty="0" smtClean="0"/>
-              <a:t>Onboard programmer functioning</a:t>
-            </a:r>
+              <a:t>Onboard programmer </a:t>
+            </a:r>
+            <a:r>
+              <a:rPr lang="en-US" sz="2000" dirty="0" smtClean="0"/>
+              <a:t>functioning!</a:t>
+            </a:r>
+          </a:p>
+          <a:p>
+            <a:pPr marL="800100" lvl="1" indent="-342900">
+              <a:buFont typeface="Arial"/>
+              <a:buChar char="•"/>
+            </a:pPr>
+            <a:r>
+              <a:rPr lang="en-US" sz="2000" dirty="0" err="1" smtClean="0"/>
+              <a:t>EagleCAD</a:t>
+            </a:r>
+            <a:r>
+              <a:rPr lang="en-US" sz="2000" dirty="0" smtClean="0"/>
+              <a:t> schematic updated, revision 2 done</a:t>
+            </a:r>
+            <a:endParaRPr lang="en-US" sz="2000" dirty="0" smtClean="0"/>
           </a:p>
           <a:p>
             <a:pPr marL="1257300" lvl="2" indent="-342900">
